--- a/Simulations related to VBA fitting/SimulationSoloQlearner.pptx
+++ b/Simulations related to VBA fitting/SimulationSoloQlearner.pptx
@@ -13,6 +13,14 @@
     <p:sldId id="261" r:id="rId7"/>
     <p:sldId id="263" r:id="rId8"/>
     <p:sldId id="262" r:id="rId9"/>
+    <p:sldId id="264" r:id="rId10"/>
+    <p:sldId id="265" r:id="rId11"/>
+    <p:sldId id="266" r:id="rId12"/>
+    <p:sldId id="267" r:id="rId13"/>
+    <p:sldId id="268" r:id="rId14"/>
+    <p:sldId id="269" r:id="rId15"/>
+    <p:sldId id="270" r:id="rId16"/>
+    <p:sldId id="271" r:id="rId17"/>
   </p:sldIdLst>
   <p:sldSz cx="12192000" cy="6858000"/>
   <p:notesSz cx="6858000" cy="9144000"/>
@@ -268,7 +276,7 @@
           <a:p>
             <a:fld id="{2EEC59D0-0775-4474-BE9A-14585D38C153}" type="datetimeFigureOut">
               <a:rPr lang="en-GB" smtClean="0"/>
-              <a:t>19/04/2024</a:t>
+              <a:t>24/04/2024</a:t>
             </a:fld>
             <a:endParaRPr lang="en-GB"/>
           </a:p>
@@ -468,7 +476,7 @@
           <a:p>
             <a:fld id="{2EEC59D0-0775-4474-BE9A-14585D38C153}" type="datetimeFigureOut">
               <a:rPr lang="en-GB" smtClean="0"/>
-              <a:t>19/04/2024</a:t>
+              <a:t>24/04/2024</a:t>
             </a:fld>
             <a:endParaRPr lang="en-GB"/>
           </a:p>
@@ -678,7 +686,7 @@
           <a:p>
             <a:fld id="{2EEC59D0-0775-4474-BE9A-14585D38C153}" type="datetimeFigureOut">
               <a:rPr lang="en-GB" smtClean="0"/>
-              <a:t>19/04/2024</a:t>
+              <a:t>24/04/2024</a:t>
             </a:fld>
             <a:endParaRPr lang="en-GB"/>
           </a:p>
@@ -878,7 +886,7 @@
           <a:p>
             <a:fld id="{2EEC59D0-0775-4474-BE9A-14585D38C153}" type="datetimeFigureOut">
               <a:rPr lang="en-GB" smtClean="0"/>
-              <a:t>19/04/2024</a:t>
+              <a:t>24/04/2024</a:t>
             </a:fld>
             <a:endParaRPr lang="en-GB"/>
           </a:p>
@@ -1154,7 +1162,7 @@
           <a:p>
             <a:fld id="{2EEC59D0-0775-4474-BE9A-14585D38C153}" type="datetimeFigureOut">
               <a:rPr lang="en-GB" smtClean="0"/>
-              <a:t>19/04/2024</a:t>
+              <a:t>24/04/2024</a:t>
             </a:fld>
             <a:endParaRPr lang="en-GB"/>
           </a:p>
@@ -1422,7 +1430,7 @@
           <a:p>
             <a:fld id="{2EEC59D0-0775-4474-BE9A-14585D38C153}" type="datetimeFigureOut">
               <a:rPr lang="en-GB" smtClean="0"/>
-              <a:t>19/04/2024</a:t>
+              <a:t>24/04/2024</a:t>
             </a:fld>
             <a:endParaRPr lang="en-GB"/>
           </a:p>
@@ -1837,7 +1845,7 @@
           <a:p>
             <a:fld id="{2EEC59D0-0775-4474-BE9A-14585D38C153}" type="datetimeFigureOut">
               <a:rPr lang="en-GB" smtClean="0"/>
-              <a:t>19/04/2024</a:t>
+              <a:t>24/04/2024</a:t>
             </a:fld>
             <a:endParaRPr lang="en-GB"/>
           </a:p>
@@ -1979,7 +1987,7 @@
           <a:p>
             <a:fld id="{2EEC59D0-0775-4474-BE9A-14585D38C153}" type="datetimeFigureOut">
               <a:rPr lang="en-GB" smtClean="0"/>
-              <a:t>19/04/2024</a:t>
+              <a:t>24/04/2024</a:t>
             </a:fld>
             <a:endParaRPr lang="en-GB"/>
           </a:p>
@@ -2092,7 +2100,7 @@
           <a:p>
             <a:fld id="{2EEC59D0-0775-4474-BE9A-14585D38C153}" type="datetimeFigureOut">
               <a:rPr lang="en-GB" smtClean="0"/>
-              <a:t>19/04/2024</a:t>
+              <a:t>24/04/2024</a:t>
             </a:fld>
             <a:endParaRPr lang="en-GB"/>
           </a:p>
@@ -2405,7 +2413,7 @@
           <a:p>
             <a:fld id="{2EEC59D0-0775-4474-BE9A-14585D38C153}" type="datetimeFigureOut">
               <a:rPr lang="en-GB" smtClean="0"/>
-              <a:t>19/04/2024</a:t>
+              <a:t>24/04/2024</a:t>
             </a:fld>
             <a:endParaRPr lang="en-GB"/>
           </a:p>
@@ -2694,7 +2702,7 @@
           <a:p>
             <a:fld id="{2EEC59D0-0775-4474-BE9A-14585D38C153}" type="datetimeFigureOut">
               <a:rPr lang="en-GB" smtClean="0"/>
-              <a:t>19/04/2024</a:t>
+              <a:t>24/04/2024</a:t>
             </a:fld>
             <a:endParaRPr lang="en-GB"/>
           </a:p>
@@ -2937,7 +2945,7 @@
           <a:p>
             <a:fld id="{2EEC59D0-0775-4474-BE9A-14585D38C153}" type="datetimeFigureOut">
               <a:rPr lang="en-GB" smtClean="0"/>
-              <a:t>19/04/2024</a:t>
+              <a:t>24/04/2024</a:t>
             </a:fld>
             <a:endParaRPr lang="en-GB"/>
           </a:p>
@@ -3433,6 +3441,1150 @@
 </p:sld>
 </file>
 
+<file path=ppt/slides/slide10.xml><?xml version="1.0" encoding="utf-8"?>
+<p:sld xmlns:a="http://schemas.openxmlformats.org/drawingml/2006/main" xmlns:r="http://schemas.openxmlformats.org/officeDocument/2006/relationships" xmlns:p="http://schemas.openxmlformats.org/presentationml/2006/main">
+  <p:cSld>
+    <p:spTree>
+      <p:nvGrpSpPr>
+        <p:cNvPr id="1" name=""/>
+        <p:cNvGrpSpPr/>
+        <p:nvPr/>
+      </p:nvGrpSpPr>
+      <p:grpSpPr>
+        <a:xfrm>
+          <a:off x="0" y="0"/>
+          <a:ext cx="0" cy="0"/>
+          <a:chOff x="0" y="0"/>
+          <a:chExt cx="0" cy="0"/>
+        </a:xfrm>
+      </p:grpSpPr>
+      <p:sp>
+        <p:nvSpPr>
+          <p:cNvPr id="2" name="Title 1">
+            <a:extLst>
+              <a:ext uri="{FF2B5EF4-FFF2-40B4-BE49-F238E27FC236}">
+                <a16:creationId xmlns:a16="http://schemas.microsoft.com/office/drawing/2014/main" id="{4B0F68CC-2099-038A-6AA1-8DE3C8AF896F}"/>
+              </a:ext>
+            </a:extLst>
+          </p:cNvPr>
+          <p:cNvSpPr>
+            <a:spLocks noGrp="1"/>
+          </p:cNvSpPr>
+          <p:nvPr>
+            <p:ph type="title"/>
+          </p:nvPr>
+        </p:nvSpPr>
+        <p:spPr>
+          <a:xfrm>
+            <a:off x="665480" y="54912"/>
+            <a:ext cx="10515600" cy="1325563"/>
+          </a:xfrm>
+        </p:spPr>
+        <p:txBody>
+          <a:bodyPr/>
+          <a:lstStyle/>
+          <a:p>
+            <a:r>
+              <a:rPr lang="en-GB" dirty="0"/>
+              <a:t>Igor’s comments and suggestions</a:t>
+            </a:r>
+          </a:p>
+        </p:txBody>
+      </p:sp>
+      <p:sp>
+        <p:nvSpPr>
+          <p:cNvPr id="3" name="Content Placeholder 2">
+            <a:extLst>
+              <a:ext uri="{FF2B5EF4-FFF2-40B4-BE49-F238E27FC236}">
+                <a16:creationId xmlns:a16="http://schemas.microsoft.com/office/drawing/2014/main" id="{6EE90B88-08C1-691D-475B-9F702BB20B3D}"/>
+              </a:ext>
+            </a:extLst>
+          </p:cNvPr>
+          <p:cNvSpPr>
+            <a:spLocks noGrp="1"/>
+          </p:cNvSpPr>
+          <p:nvPr>
+            <p:ph idx="1"/>
+          </p:nvPr>
+        </p:nvSpPr>
+        <p:spPr>
+          <a:xfrm>
+            <a:off x="665480" y="1134745"/>
+            <a:ext cx="10515600" cy="4351338"/>
+          </a:xfrm>
+        </p:spPr>
+        <p:txBody>
+          <a:bodyPr/>
+          <a:lstStyle/>
+          <a:p>
+            <a:pPr marL="0" indent="0">
+              <a:buNone/>
+            </a:pPr>
+            <a:r>
+              <a:rPr lang="en-GB" dirty="0"/>
+              <a:t>Show parameters with different </a:t>
+            </a:r>
+            <a:r>
+              <a:rPr lang="en-GB" dirty="0" err="1"/>
+              <a:t>colors</a:t>
+            </a:r>
+            <a:r>
+              <a:rPr lang="en-GB" dirty="0"/>
+              <a:t> based on R2 value( quality of the fit) to see if the outliers are </a:t>
+            </a:r>
+            <a:r>
+              <a:rPr lang="en-GB" dirty="0" err="1"/>
+              <a:t>bc</a:t>
+            </a:r>
+            <a:r>
+              <a:rPr lang="en-GB" dirty="0"/>
+              <a:t> of bad fitting.</a:t>
+            </a:r>
+          </a:p>
+          <a:p>
+            <a:pPr marL="0" indent="0">
+              <a:buNone/>
+            </a:pPr>
+            <a:r>
+              <a:rPr lang="en-GB" dirty="0"/>
+              <a:t>R2 is only informative for ‘’Theta goodness of fit’’</a:t>
+            </a:r>
+          </a:p>
+          <a:p>
+            <a:pPr marL="0" indent="0">
+              <a:buNone/>
+            </a:pPr>
+            <a:endParaRPr lang="en-GB" dirty="0"/>
+          </a:p>
+        </p:txBody>
+      </p:sp>
+      <p:pic>
+        <p:nvPicPr>
+          <p:cNvPr id="5" name="Picture 4">
+            <a:extLst>
+              <a:ext uri="{FF2B5EF4-FFF2-40B4-BE49-F238E27FC236}">
+                <a16:creationId xmlns:a16="http://schemas.microsoft.com/office/drawing/2014/main" id="{590924DE-C51E-E4D3-FF38-B262079AF297}"/>
+              </a:ext>
+            </a:extLst>
+          </p:cNvPr>
+          <p:cNvPicPr>
+            <a:picLocks noChangeAspect="1"/>
+          </p:cNvPicPr>
+          <p:nvPr/>
+        </p:nvPicPr>
+        <p:blipFill>
+          <a:blip r:embed="rId2"/>
+          <a:stretch>
+            <a:fillRect/>
+          </a:stretch>
+        </p:blipFill>
+        <p:spPr>
+          <a:xfrm>
+            <a:off x="354110" y="2514890"/>
+            <a:ext cx="5082980" cy="3977985"/>
+          </a:xfrm>
+          <a:prstGeom prst="rect">
+            <a:avLst/>
+          </a:prstGeom>
+        </p:spPr>
+      </p:pic>
+      <p:pic>
+        <p:nvPicPr>
+          <p:cNvPr id="7" name="Picture 6">
+            <a:extLst>
+              <a:ext uri="{FF2B5EF4-FFF2-40B4-BE49-F238E27FC236}">
+                <a16:creationId xmlns:a16="http://schemas.microsoft.com/office/drawing/2014/main" id="{D14E089A-ADC3-06CC-56F4-3AF01B76A601}"/>
+              </a:ext>
+            </a:extLst>
+          </p:cNvPr>
+          <p:cNvPicPr>
+            <a:picLocks noChangeAspect="1"/>
+          </p:cNvPicPr>
+          <p:nvPr/>
+        </p:nvPicPr>
+        <p:blipFill>
+          <a:blip r:embed="rId3"/>
+          <a:stretch>
+            <a:fillRect/>
+          </a:stretch>
+        </p:blipFill>
+        <p:spPr>
+          <a:xfrm>
+            <a:off x="5758696" y="2514889"/>
+            <a:ext cx="5273497" cy="3977985"/>
+          </a:xfrm>
+          <a:prstGeom prst="rect">
+            <a:avLst/>
+          </a:prstGeom>
+        </p:spPr>
+      </p:pic>
+    </p:spTree>
+    <p:extLst>
+      <p:ext uri="{BB962C8B-B14F-4D97-AF65-F5344CB8AC3E}">
+        <p14:creationId xmlns:p14="http://schemas.microsoft.com/office/powerpoint/2010/main" val="2209774282"/>
+      </p:ext>
+    </p:extLst>
+  </p:cSld>
+  <p:clrMapOvr>
+    <a:masterClrMapping/>
+  </p:clrMapOvr>
+</p:sld>
+</file>
+
+<file path=ppt/slides/slide11.xml><?xml version="1.0" encoding="utf-8"?>
+<p:sld xmlns:a="http://schemas.openxmlformats.org/drawingml/2006/main" xmlns:r="http://schemas.openxmlformats.org/officeDocument/2006/relationships" xmlns:p="http://schemas.openxmlformats.org/presentationml/2006/main">
+  <p:cSld>
+    <p:spTree>
+      <p:nvGrpSpPr>
+        <p:cNvPr id="1" name=""/>
+        <p:cNvGrpSpPr/>
+        <p:nvPr/>
+      </p:nvGrpSpPr>
+      <p:grpSpPr>
+        <a:xfrm>
+          <a:off x="0" y="0"/>
+          <a:ext cx="0" cy="0"/>
+          <a:chOff x="0" y="0"/>
+          <a:chExt cx="0" cy="0"/>
+        </a:xfrm>
+      </p:grpSpPr>
+      <p:sp>
+        <p:nvSpPr>
+          <p:cNvPr id="2" name="Title 1">
+            <a:extLst>
+              <a:ext uri="{FF2B5EF4-FFF2-40B4-BE49-F238E27FC236}">
+                <a16:creationId xmlns:a16="http://schemas.microsoft.com/office/drawing/2014/main" id="{6A5E7718-11F1-BEDC-6A0A-1D6EB72B9E4E}"/>
+              </a:ext>
+            </a:extLst>
+          </p:cNvPr>
+          <p:cNvSpPr>
+            <a:spLocks noGrp="1"/>
+          </p:cNvSpPr>
+          <p:nvPr>
+            <p:ph type="title"/>
+          </p:nvPr>
+        </p:nvSpPr>
+        <p:spPr/>
+        <p:txBody>
+          <a:bodyPr/>
+          <a:lstStyle/>
+          <a:p>
+            <a:r>
+              <a:rPr lang="en-GB" dirty="0"/>
+              <a:t>Sahra: How is the quality of the fit distributed among the speed of learning?</a:t>
+            </a:r>
+          </a:p>
+        </p:txBody>
+      </p:sp>
+      <p:pic>
+        <p:nvPicPr>
+          <p:cNvPr id="5" name="Picture 4">
+            <a:extLst>
+              <a:ext uri="{FF2B5EF4-FFF2-40B4-BE49-F238E27FC236}">
+                <a16:creationId xmlns:a16="http://schemas.microsoft.com/office/drawing/2014/main" id="{EB18073E-8FB5-B4B2-83AC-BE6B387535F6}"/>
+              </a:ext>
+            </a:extLst>
+          </p:cNvPr>
+          <p:cNvPicPr>
+            <a:picLocks noChangeAspect="1"/>
+          </p:cNvPicPr>
+          <p:nvPr/>
+        </p:nvPicPr>
+        <p:blipFill>
+          <a:blip r:embed="rId2"/>
+          <a:stretch>
+            <a:fillRect/>
+          </a:stretch>
+        </p:blipFill>
+        <p:spPr>
+          <a:xfrm>
+            <a:off x="3493544" y="1894668"/>
+            <a:ext cx="5204911" cy="3962743"/>
+          </a:xfrm>
+          <a:prstGeom prst="rect">
+            <a:avLst/>
+          </a:prstGeom>
+        </p:spPr>
+      </p:pic>
+    </p:spTree>
+    <p:extLst>
+      <p:ext uri="{BB962C8B-B14F-4D97-AF65-F5344CB8AC3E}">
+        <p14:creationId xmlns:p14="http://schemas.microsoft.com/office/powerpoint/2010/main" val="2076041979"/>
+      </p:ext>
+    </p:extLst>
+  </p:cSld>
+  <p:clrMapOvr>
+    <a:masterClrMapping/>
+  </p:clrMapOvr>
+</p:sld>
+</file>
+
+<file path=ppt/slides/slide12.xml><?xml version="1.0" encoding="utf-8"?>
+<p:sld xmlns:a="http://schemas.openxmlformats.org/drawingml/2006/main" xmlns:r="http://schemas.openxmlformats.org/officeDocument/2006/relationships" xmlns:p="http://schemas.openxmlformats.org/presentationml/2006/main">
+  <p:cSld>
+    <p:spTree>
+      <p:nvGrpSpPr>
+        <p:cNvPr id="1" name=""/>
+        <p:cNvGrpSpPr/>
+        <p:nvPr/>
+      </p:nvGrpSpPr>
+      <p:grpSpPr>
+        <a:xfrm>
+          <a:off x="0" y="0"/>
+          <a:ext cx="0" cy="0"/>
+          <a:chOff x="0" y="0"/>
+          <a:chExt cx="0" cy="0"/>
+        </a:xfrm>
+      </p:grpSpPr>
+      <p:sp>
+        <p:nvSpPr>
+          <p:cNvPr id="2" name="Title 1">
+            <a:extLst>
+              <a:ext uri="{FF2B5EF4-FFF2-40B4-BE49-F238E27FC236}">
+                <a16:creationId xmlns:a16="http://schemas.microsoft.com/office/drawing/2014/main" id="{FC1B9FDA-04D3-2D23-D606-2275C6DB050F}"/>
+              </a:ext>
+            </a:extLst>
+          </p:cNvPr>
+          <p:cNvSpPr>
+            <a:spLocks noGrp="1"/>
+          </p:cNvSpPr>
+          <p:nvPr>
+            <p:ph type="title"/>
+          </p:nvPr>
+        </p:nvSpPr>
+        <p:spPr/>
+        <p:txBody>
+          <a:bodyPr/>
+          <a:lstStyle/>
+          <a:p>
+            <a:r>
+              <a:rPr lang="en-GB" dirty="0"/>
+              <a:t>Sahra: Let’s try Q learning fitting with a very accurate but heavily computational method</a:t>
+            </a:r>
+          </a:p>
+        </p:txBody>
+      </p:sp>
+      <p:sp>
+        <p:nvSpPr>
+          <p:cNvPr id="3" name="Content Placeholder 2">
+            <a:extLst>
+              <a:ext uri="{FF2B5EF4-FFF2-40B4-BE49-F238E27FC236}">
+                <a16:creationId xmlns:a16="http://schemas.microsoft.com/office/drawing/2014/main" id="{C1F828D7-DF21-0EA8-F7E8-8BCBE5B96782}"/>
+              </a:ext>
+            </a:extLst>
+          </p:cNvPr>
+          <p:cNvSpPr>
+            <a:spLocks noGrp="1"/>
+          </p:cNvSpPr>
+          <p:nvPr>
+            <p:ph idx="1"/>
+          </p:nvPr>
+        </p:nvSpPr>
+        <p:spPr/>
+        <p:txBody>
+          <a:bodyPr/>
+          <a:lstStyle/>
+          <a:p>
+            <a:pPr marL="0" indent="0">
+              <a:buNone/>
+            </a:pPr>
+            <a:r>
+              <a:rPr lang="en-GB" b="1" dirty="0"/>
+              <a:t>I wrote three </a:t>
+            </a:r>
+            <a:r>
+              <a:rPr lang="en-GB" b="1" dirty="0" err="1"/>
+              <a:t>functins</a:t>
+            </a:r>
+            <a:r>
+              <a:rPr lang="en-GB" b="1" dirty="0"/>
+              <a:t> based on these equations:</a:t>
+            </a:r>
+          </a:p>
+          <a:p>
+            <a:pPr marL="0" indent="0">
+              <a:buNone/>
+            </a:pPr>
+            <a:r>
+              <a:rPr lang="en-GB" b="1" dirty="0"/>
+              <a:t>1) Q learning function:</a:t>
+            </a:r>
+          </a:p>
+          <a:p>
+            <a:pPr marL="0" indent="0">
+              <a:buNone/>
+            </a:pPr>
+            <a:r>
+              <a:rPr lang="en-GB" b="1" dirty="0"/>
+              <a:t>We can calculate the hidden value of each option</a:t>
+            </a:r>
+          </a:p>
+          <a:p>
+            <a:pPr marL="0" indent="0">
+              <a:buNone/>
+            </a:pPr>
+            <a:r>
+              <a:rPr lang="en-GB" b="1" dirty="0"/>
+              <a:t>Trial by trial based on the reward that the subject received on each trial.</a:t>
+            </a:r>
+          </a:p>
+          <a:p>
+            <a:pPr marL="0" indent="0">
+              <a:buNone/>
+            </a:pPr>
+            <a:r>
+              <a:rPr lang="en-GB" b="1" dirty="0"/>
+              <a:t>The initial value is always 0.5</a:t>
+            </a:r>
+          </a:p>
+          <a:p>
+            <a:pPr marL="0" indent="0">
+              <a:buNone/>
+            </a:pPr>
+            <a:endParaRPr lang="en-GB" b="1" dirty="0"/>
+          </a:p>
+        </p:txBody>
+      </p:sp>
+      <p:pic>
+        <p:nvPicPr>
+          <p:cNvPr id="5" name="Picture 4">
+            <a:extLst>
+              <a:ext uri="{FF2B5EF4-FFF2-40B4-BE49-F238E27FC236}">
+                <a16:creationId xmlns:a16="http://schemas.microsoft.com/office/drawing/2014/main" id="{860EBDE0-BF74-51A8-B10F-F3020AD395EA}"/>
+              </a:ext>
+            </a:extLst>
+          </p:cNvPr>
+          <p:cNvPicPr>
+            <a:picLocks noChangeAspect="1"/>
+          </p:cNvPicPr>
+          <p:nvPr/>
+        </p:nvPicPr>
+        <p:blipFill>
+          <a:blip r:embed="rId2"/>
+          <a:stretch>
+            <a:fillRect/>
+          </a:stretch>
+        </p:blipFill>
+        <p:spPr>
+          <a:xfrm>
+            <a:off x="5742259" y="4751387"/>
+            <a:ext cx="3375953" cy="815411"/>
+          </a:xfrm>
+          <a:prstGeom prst="rect">
+            <a:avLst/>
+          </a:prstGeom>
+        </p:spPr>
+      </p:pic>
+      <p:pic>
+        <p:nvPicPr>
+          <p:cNvPr id="7" name="Picture 6">
+            <a:extLst>
+              <a:ext uri="{FF2B5EF4-FFF2-40B4-BE49-F238E27FC236}">
+                <a16:creationId xmlns:a16="http://schemas.microsoft.com/office/drawing/2014/main" id="{4629A83F-153B-95DF-5E75-7037095F6FFF}"/>
+              </a:ext>
+            </a:extLst>
+          </p:cNvPr>
+          <p:cNvPicPr>
+            <a:picLocks noChangeAspect="1"/>
+          </p:cNvPicPr>
+          <p:nvPr/>
+        </p:nvPicPr>
+        <p:blipFill>
+          <a:blip r:embed="rId3"/>
+          <a:stretch>
+            <a:fillRect/>
+          </a:stretch>
+        </p:blipFill>
+        <p:spPr>
+          <a:xfrm>
+            <a:off x="1095863" y="5048593"/>
+            <a:ext cx="4016088" cy="518205"/>
+          </a:xfrm>
+          <a:prstGeom prst="rect">
+            <a:avLst/>
+          </a:prstGeom>
+        </p:spPr>
+      </p:pic>
+    </p:spTree>
+    <p:extLst>
+      <p:ext uri="{BB962C8B-B14F-4D97-AF65-F5344CB8AC3E}">
+        <p14:creationId xmlns:p14="http://schemas.microsoft.com/office/powerpoint/2010/main" val="4110784176"/>
+      </p:ext>
+    </p:extLst>
+  </p:cSld>
+  <p:clrMapOvr>
+    <a:masterClrMapping/>
+  </p:clrMapOvr>
+</p:sld>
+</file>
+
+<file path=ppt/slides/slide13.xml><?xml version="1.0" encoding="utf-8"?>
+<p:sld xmlns:a="http://schemas.openxmlformats.org/drawingml/2006/main" xmlns:r="http://schemas.openxmlformats.org/officeDocument/2006/relationships" xmlns:p="http://schemas.openxmlformats.org/presentationml/2006/main">
+  <p:cSld>
+    <p:spTree>
+      <p:nvGrpSpPr>
+        <p:cNvPr id="1" name=""/>
+        <p:cNvGrpSpPr/>
+        <p:nvPr/>
+      </p:nvGrpSpPr>
+      <p:grpSpPr>
+        <a:xfrm>
+          <a:off x="0" y="0"/>
+          <a:ext cx="0" cy="0"/>
+          <a:chOff x="0" y="0"/>
+          <a:chExt cx="0" cy="0"/>
+        </a:xfrm>
+      </p:grpSpPr>
+      <p:sp>
+        <p:nvSpPr>
+          <p:cNvPr id="3" name="Content Placeholder 2">
+            <a:extLst>
+              <a:ext uri="{FF2B5EF4-FFF2-40B4-BE49-F238E27FC236}">
+                <a16:creationId xmlns:a16="http://schemas.microsoft.com/office/drawing/2014/main" id="{17CDC385-FB69-C50E-947F-F9A5FBC58DF4}"/>
+              </a:ext>
+            </a:extLst>
+          </p:cNvPr>
+          <p:cNvSpPr>
+            <a:spLocks noGrp="1"/>
+          </p:cNvSpPr>
+          <p:nvPr>
+            <p:ph idx="1"/>
+          </p:nvPr>
+        </p:nvSpPr>
+        <p:spPr>
+          <a:xfrm>
+            <a:off x="193040" y="160152"/>
+            <a:ext cx="11399520" cy="6207760"/>
+          </a:xfrm>
+        </p:spPr>
+        <p:txBody>
+          <a:bodyPr/>
+          <a:lstStyle/>
+          <a:p>
+            <a:pPr marL="0" indent="0">
+              <a:buNone/>
+            </a:pPr>
+            <a:r>
+              <a:rPr lang="en-GB" dirty="0"/>
+              <a:t>2) </a:t>
+            </a:r>
+            <a:r>
+              <a:rPr lang="en-GB" dirty="0" err="1"/>
+              <a:t>Softmax</a:t>
+            </a:r>
+            <a:r>
+              <a:rPr lang="en-GB" dirty="0"/>
+              <a:t> function: this function calculate probability of choice based on hidden states:</a:t>
+            </a:r>
+          </a:p>
+          <a:p>
+            <a:pPr marL="0" indent="0">
+              <a:buNone/>
+            </a:pPr>
+            <a:endParaRPr lang="en-GB" dirty="0"/>
+          </a:p>
+          <a:p>
+            <a:pPr marL="0" indent="0">
+              <a:buNone/>
+            </a:pPr>
+            <a:endParaRPr lang="en-GB" dirty="0"/>
+          </a:p>
+          <a:p>
+            <a:pPr marL="0" indent="0">
+              <a:buNone/>
+            </a:pPr>
+            <a:endParaRPr lang="en-GB" dirty="0"/>
+          </a:p>
+          <a:p>
+            <a:pPr marL="0" indent="0">
+              <a:buNone/>
+            </a:pPr>
+            <a:endParaRPr lang="en-GB" dirty="0"/>
+          </a:p>
+          <a:p>
+            <a:pPr marL="0" indent="0">
+              <a:buNone/>
+            </a:pPr>
+            <a:endParaRPr lang="en-GB" dirty="0"/>
+          </a:p>
+          <a:p>
+            <a:pPr marL="0" indent="0">
+              <a:buNone/>
+            </a:pPr>
+            <a:endParaRPr lang="en-GB" dirty="0"/>
+          </a:p>
+          <a:p>
+            <a:pPr marL="0" indent="0">
+              <a:buNone/>
+            </a:pPr>
+            <a:r>
+              <a:rPr lang="en-GB" dirty="0"/>
+              <a:t>3) A loss function which calculates the distance between ‘’observed choice’’ and ‘’probability of the choice’’. The loss function is ‘’cross entropy’’ which extract the best fitted parameters in the minima.</a:t>
+            </a:r>
+          </a:p>
+          <a:p>
+            <a:pPr marL="0" indent="0">
+              <a:buNone/>
+            </a:pPr>
+            <a:endParaRPr lang="en-GB" dirty="0"/>
+          </a:p>
+        </p:txBody>
+      </p:sp>
+      <p:pic>
+        <p:nvPicPr>
+          <p:cNvPr id="5" name="Picture 4">
+            <a:extLst>
+              <a:ext uri="{FF2B5EF4-FFF2-40B4-BE49-F238E27FC236}">
+                <a16:creationId xmlns:a16="http://schemas.microsoft.com/office/drawing/2014/main" id="{2CE188D8-1BF7-1157-7E00-A7D68758C4DD}"/>
+              </a:ext>
+            </a:extLst>
+          </p:cNvPr>
+          <p:cNvPicPr>
+            <a:picLocks noChangeAspect="1"/>
+          </p:cNvPicPr>
+          <p:nvPr/>
+        </p:nvPicPr>
+        <p:blipFill>
+          <a:blip r:embed="rId2"/>
+          <a:stretch>
+            <a:fillRect/>
+          </a:stretch>
+        </p:blipFill>
+        <p:spPr>
+          <a:xfrm>
+            <a:off x="7792577" y="1732279"/>
+            <a:ext cx="3292125" cy="1158340"/>
+          </a:xfrm>
+          <a:prstGeom prst="rect">
+            <a:avLst/>
+          </a:prstGeom>
+        </p:spPr>
+      </p:pic>
+      <p:pic>
+        <p:nvPicPr>
+          <p:cNvPr id="7" name="Picture 6">
+            <a:extLst>
+              <a:ext uri="{FF2B5EF4-FFF2-40B4-BE49-F238E27FC236}">
+                <a16:creationId xmlns:a16="http://schemas.microsoft.com/office/drawing/2014/main" id="{9E73BB36-D942-5145-7329-82DFED9FEFEF}"/>
+              </a:ext>
+            </a:extLst>
+          </p:cNvPr>
+          <p:cNvPicPr>
+            <a:picLocks noChangeAspect="1"/>
+          </p:cNvPicPr>
+          <p:nvPr/>
+        </p:nvPicPr>
+        <p:blipFill>
+          <a:blip r:embed="rId3"/>
+          <a:stretch>
+            <a:fillRect/>
+          </a:stretch>
+        </p:blipFill>
+        <p:spPr>
+          <a:xfrm>
+            <a:off x="426720" y="1358867"/>
+            <a:ext cx="6690940" cy="1905165"/>
+          </a:xfrm>
+          <a:prstGeom prst="rect">
+            <a:avLst/>
+          </a:prstGeom>
+        </p:spPr>
+      </p:pic>
+    </p:spTree>
+    <p:extLst>
+      <p:ext uri="{BB962C8B-B14F-4D97-AF65-F5344CB8AC3E}">
+        <p14:creationId xmlns:p14="http://schemas.microsoft.com/office/powerpoint/2010/main" val="1637241170"/>
+      </p:ext>
+    </p:extLst>
+  </p:cSld>
+  <p:clrMapOvr>
+    <a:masterClrMapping/>
+  </p:clrMapOvr>
+</p:sld>
+</file>
+
+<file path=ppt/slides/slide14.xml><?xml version="1.0" encoding="utf-8"?>
+<p:sld xmlns:a="http://schemas.openxmlformats.org/drawingml/2006/main" xmlns:r="http://schemas.openxmlformats.org/officeDocument/2006/relationships" xmlns:p="http://schemas.openxmlformats.org/presentationml/2006/main">
+  <p:cSld>
+    <p:spTree>
+      <p:nvGrpSpPr>
+        <p:cNvPr id="1" name=""/>
+        <p:cNvGrpSpPr/>
+        <p:nvPr/>
+      </p:nvGrpSpPr>
+      <p:grpSpPr>
+        <a:xfrm>
+          <a:off x="0" y="0"/>
+          <a:ext cx="0" cy="0"/>
+          <a:chOff x="0" y="0"/>
+          <a:chExt cx="0" cy="0"/>
+        </a:xfrm>
+      </p:grpSpPr>
+      <p:sp>
+        <p:nvSpPr>
+          <p:cNvPr id="3" name="Content Placeholder 2">
+            <a:extLst>
+              <a:ext uri="{FF2B5EF4-FFF2-40B4-BE49-F238E27FC236}">
+                <a16:creationId xmlns:a16="http://schemas.microsoft.com/office/drawing/2014/main" id="{E50134AD-E73F-C8EC-EADC-44983856D6BA}"/>
+              </a:ext>
+            </a:extLst>
+          </p:cNvPr>
+          <p:cNvSpPr>
+            <a:spLocks noGrp="1"/>
+          </p:cNvSpPr>
+          <p:nvPr>
+            <p:ph idx="1"/>
+          </p:nvPr>
+        </p:nvSpPr>
+        <p:spPr>
+          <a:xfrm>
+            <a:off x="386080" y="325120"/>
+            <a:ext cx="11531600" cy="6350000"/>
+          </a:xfrm>
+        </p:spPr>
+        <p:txBody>
+          <a:bodyPr/>
+          <a:lstStyle/>
+          <a:p>
+            <a:pPr marL="0" indent="0">
+              <a:buNone/>
+            </a:pPr>
+            <a:r>
+              <a:rPr lang="en-GB" dirty="0"/>
+              <a:t>Then we create a range for each parameter ( learning rate and reverse temperature), try each element of the range to calculate probability of the choices and then cross-entropy loss. The best parameter has the minimum loss.</a:t>
+            </a:r>
+          </a:p>
+          <a:p>
+            <a:pPr marL="0" indent="0">
+              <a:buNone/>
+            </a:pPr>
+            <a:endParaRPr lang="en-GB" dirty="0"/>
+          </a:p>
+        </p:txBody>
+      </p:sp>
+      <p:pic>
+        <p:nvPicPr>
+          <p:cNvPr id="5" name="Picture 4">
+            <a:extLst>
+              <a:ext uri="{FF2B5EF4-FFF2-40B4-BE49-F238E27FC236}">
+                <a16:creationId xmlns:a16="http://schemas.microsoft.com/office/drawing/2014/main" id="{02B751B9-CBFF-B101-F39A-86BCB1061D53}"/>
+              </a:ext>
+            </a:extLst>
+          </p:cNvPr>
+          <p:cNvPicPr>
+            <a:picLocks noChangeAspect="1"/>
+          </p:cNvPicPr>
+          <p:nvPr/>
+        </p:nvPicPr>
+        <p:blipFill>
+          <a:blip r:embed="rId2"/>
+          <a:stretch>
+            <a:fillRect/>
+          </a:stretch>
+        </p:blipFill>
+        <p:spPr>
+          <a:xfrm>
+            <a:off x="593003" y="2136114"/>
+            <a:ext cx="2004234" cy="594412"/>
+          </a:xfrm>
+          <a:prstGeom prst="rect">
+            <a:avLst/>
+          </a:prstGeom>
+        </p:spPr>
+      </p:pic>
+      <p:pic>
+        <p:nvPicPr>
+          <p:cNvPr id="7" name="Picture 6">
+            <a:extLst>
+              <a:ext uri="{FF2B5EF4-FFF2-40B4-BE49-F238E27FC236}">
+                <a16:creationId xmlns:a16="http://schemas.microsoft.com/office/drawing/2014/main" id="{FC744DF9-4DF1-E8B8-FFAC-987FD5282685}"/>
+              </a:ext>
+            </a:extLst>
+          </p:cNvPr>
+          <p:cNvPicPr>
+            <a:picLocks noChangeAspect="1"/>
+          </p:cNvPicPr>
+          <p:nvPr/>
+        </p:nvPicPr>
+        <p:blipFill>
+          <a:blip r:embed="rId3"/>
+          <a:stretch>
+            <a:fillRect/>
+          </a:stretch>
+        </p:blipFill>
+        <p:spPr>
+          <a:xfrm>
+            <a:off x="593003" y="3063208"/>
+            <a:ext cx="6454699" cy="365792"/>
+          </a:xfrm>
+          <a:prstGeom prst="rect">
+            <a:avLst/>
+          </a:prstGeom>
+        </p:spPr>
+      </p:pic>
+    </p:spTree>
+    <p:extLst>
+      <p:ext uri="{BB962C8B-B14F-4D97-AF65-F5344CB8AC3E}">
+        <p14:creationId xmlns:p14="http://schemas.microsoft.com/office/powerpoint/2010/main" val="3420002377"/>
+      </p:ext>
+    </p:extLst>
+  </p:cSld>
+  <p:clrMapOvr>
+    <a:masterClrMapping/>
+  </p:clrMapOvr>
+</p:sld>
+</file>
+
+<file path=ppt/slides/slide15.xml><?xml version="1.0" encoding="utf-8"?>
+<p:sld xmlns:a="http://schemas.openxmlformats.org/drawingml/2006/main" xmlns:r="http://schemas.openxmlformats.org/officeDocument/2006/relationships" xmlns:p="http://schemas.openxmlformats.org/presentationml/2006/main">
+  <p:cSld>
+    <p:spTree>
+      <p:nvGrpSpPr>
+        <p:cNvPr id="1" name=""/>
+        <p:cNvGrpSpPr/>
+        <p:nvPr/>
+      </p:nvGrpSpPr>
+      <p:grpSpPr>
+        <a:xfrm>
+          <a:off x="0" y="0"/>
+          <a:ext cx="0" cy="0"/>
+          <a:chOff x="0" y="0"/>
+          <a:chExt cx="0" cy="0"/>
+        </a:xfrm>
+      </p:grpSpPr>
+      <p:pic>
+        <p:nvPicPr>
+          <p:cNvPr id="5" name="Picture 4">
+            <a:extLst>
+              <a:ext uri="{FF2B5EF4-FFF2-40B4-BE49-F238E27FC236}">
+                <a16:creationId xmlns:a16="http://schemas.microsoft.com/office/drawing/2014/main" id="{4ABB9D05-02AE-2AF0-C915-18D5AE89D5C4}"/>
+              </a:ext>
+            </a:extLst>
+          </p:cNvPr>
+          <p:cNvPicPr>
+            <a:picLocks noChangeAspect="1"/>
+          </p:cNvPicPr>
+          <p:nvPr/>
+        </p:nvPicPr>
+        <p:blipFill>
+          <a:blip r:embed="rId2"/>
+          <a:stretch>
+            <a:fillRect/>
+          </a:stretch>
+        </p:blipFill>
+        <p:spPr>
+          <a:xfrm>
+            <a:off x="272151" y="365125"/>
+            <a:ext cx="11647697" cy="6256278"/>
+          </a:xfrm>
+          <a:prstGeom prst="rect">
+            <a:avLst/>
+          </a:prstGeom>
+        </p:spPr>
+      </p:pic>
+      <p:sp>
+        <p:nvSpPr>
+          <p:cNvPr id="2" name="Title 1">
+            <a:extLst>
+              <a:ext uri="{FF2B5EF4-FFF2-40B4-BE49-F238E27FC236}">
+                <a16:creationId xmlns:a16="http://schemas.microsoft.com/office/drawing/2014/main" id="{9FB7CA63-0396-16D2-D3B7-0173E74CD476}"/>
+              </a:ext>
+            </a:extLst>
+          </p:cNvPr>
+          <p:cNvSpPr>
+            <a:spLocks noGrp="1"/>
+          </p:cNvSpPr>
+          <p:nvPr>
+            <p:ph type="title"/>
+          </p:nvPr>
+        </p:nvSpPr>
+        <p:spPr>
+          <a:xfrm>
+            <a:off x="1886847" y="4270117"/>
+            <a:ext cx="10998201" cy="1195963"/>
+          </a:xfrm>
+        </p:spPr>
+        <p:txBody>
+          <a:bodyPr>
+            <a:normAutofit/>
+          </a:bodyPr>
+          <a:lstStyle/>
+          <a:p>
+            <a:pPr algn="ctr"/>
+            <a:r>
+              <a:rPr lang="en-GB" sz="1400" dirty="0"/>
+              <a:t>Topography of the loss function for two free parameters: learning rate and inverse temperature</a:t>
+            </a:r>
+            <a:br>
+              <a:rPr lang="en-GB" sz="1400" dirty="0"/>
+            </a:br>
+            <a:r>
+              <a:rPr lang="en-GB" sz="1400" dirty="0"/>
+              <a:t>Minimum Loss Value  = 0.0421</a:t>
+            </a:r>
+            <a:br>
+              <a:rPr lang="en-GB" sz="1400" dirty="0"/>
+            </a:br>
+            <a:endParaRPr lang="en-GB" sz="1400" dirty="0"/>
+          </a:p>
+        </p:txBody>
+      </p:sp>
+      <p:sp>
+        <p:nvSpPr>
+          <p:cNvPr id="6" name="Oval 5">
+            <a:extLst>
+              <a:ext uri="{FF2B5EF4-FFF2-40B4-BE49-F238E27FC236}">
+                <a16:creationId xmlns:a16="http://schemas.microsoft.com/office/drawing/2014/main" id="{A3F12062-D762-D1DA-BE9A-50D369025810}"/>
+              </a:ext>
+            </a:extLst>
+          </p:cNvPr>
+          <p:cNvSpPr/>
+          <p:nvPr/>
+        </p:nvSpPr>
+        <p:spPr>
+          <a:xfrm>
+            <a:off x="1615440" y="5039360"/>
+            <a:ext cx="812800" cy="568960"/>
+          </a:xfrm>
+          <a:prstGeom prst="ellipse">
+            <a:avLst/>
+          </a:prstGeom>
+          <a:noFill/>
+          <a:ln>
+            <a:solidFill>
+              <a:srgbClr val="FF0000"/>
+            </a:solidFill>
+          </a:ln>
+        </p:spPr>
+        <p:style>
+          <a:lnRef idx="2">
+            <a:schemeClr val="accent1">
+              <a:shade val="15000"/>
+            </a:schemeClr>
+          </a:lnRef>
+          <a:fillRef idx="1">
+            <a:schemeClr val="accent1"/>
+          </a:fillRef>
+          <a:effectRef idx="0">
+            <a:schemeClr val="accent1"/>
+          </a:effectRef>
+          <a:fontRef idx="minor">
+            <a:schemeClr val="lt1"/>
+          </a:fontRef>
+        </p:style>
+        <p:txBody>
+          <a:bodyPr rtlCol="0" anchor="ctr"/>
+          <a:lstStyle/>
+          <a:p>
+            <a:pPr algn="ctr"/>
+            <a:endParaRPr lang="en-GB"/>
+          </a:p>
+        </p:txBody>
+      </p:sp>
+    </p:spTree>
+    <p:extLst>
+      <p:ext uri="{BB962C8B-B14F-4D97-AF65-F5344CB8AC3E}">
+        <p14:creationId xmlns:p14="http://schemas.microsoft.com/office/powerpoint/2010/main" val="4180503498"/>
+      </p:ext>
+    </p:extLst>
+  </p:cSld>
+  <p:clrMapOvr>
+    <a:masterClrMapping/>
+  </p:clrMapOvr>
+</p:sld>
+</file>
+
+<file path=ppt/slides/slide16.xml><?xml version="1.0" encoding="utf-8"?>
+<p:sld xmlns:a="http://schemas.openxmlformats.org/drawingml/2006/main" xmlns:r="http://schemas.openxmlformats.org/officeDocument/2006/relationships" xmlns:p="http://schemas.openxmlformats.org/presentationml/2006/main">
+  <p:cSld>
+    <p:spTree>
+      <p:nvGrpSpPr>
+        <p:cNvPr id="1" name=""/>
+        <p:cNvGrpSpPr/>
+        <p:nvPr/>
+      </p:nvGrpSpPr>
+      <p:grpSpPr>
+        <a:xfrm>
+          <a:off x="0" y="0"/>
+          <a:ext cx="0" cy="0"/>
+          <a:chOff x="0" y="0"/>
+          <a:chExt cx="0" cy="0"/>
+        </a:xfrm>
+      </p:grpSpPr>
+      <p:sp>
+        <p:nvSpPr>
+          <p:cNvPr id="2" name="Title 1">
+            <a:extLst>
+              <a:ext uri="{FF2B5EF4-FFF2-40B4-BE49-F238E27FC236}">
+                <a16:creationId xmlns:a16="http://schemas.microsoft.com/office/drawing/2014/main" id="{103B3841-FBE4-A30E-4731-D578082AA310}"/>
+              </a:ext>
+            </a:extLst>
+          </p:cNvPr>
+          <p:cNvSpPr>
+            <a:spLocks noGrp="1"/>
+          </p:cNvSpPr>
+          <p:nvPr>
+            <p:ph type="title"/>
+          </p:nvPr>
+        </p:nvSpPr>
+        <p:spPr>
+          <a:xfrm>
+            <a:off x="838200" y="18255"/>
+            <a:ext cx="10515600" cy="1325563"/>
+          </a:xfrm>
+        </p:spPr>
+        <p:txBody>
+          <a:bodyPr/>
+          <a:lstStyle/>
+          <a:p>
+            <a:r>
+              <a:rPr lang="en-GB" dirty="0"/>
+              <a:t>Results</a:t>
+            </a:r>
+          </a:p>
+        </p:txBody>
+      </p:sp>
+      <p:sp>
+        <p:nvSpPr>
+          <p:cNvPr id="3" name="Content Placeholder 2">
+            <a:extLst>
+              <a:ext uri="{FF2B5EF4-FFF2-40B4-BE49-F238E27FC236}">
+                <a16:creationId xmlns:a16="http://schemas.microsoft.com/office/drawing/2014/main" id="{AF678919-B2BF-9A36-00DD-BBCF253B79A4}"/>
+              </a:ext>
+            </a:extLst>
+          </p:cNvPr>
+          <p:cNvSpPr>
+            <a:spLocks noGrp="1"/>
+          </p:cNvSpPr>
+          <p:nvPr>
+            <p:ph idx="1"/>
+          </p:nvPr>
+        </p:nvSpPr>
+        <p:spPr/>
+        <p:txBody>
+          <a:bodyPr/>
+          <a:lstStyle/>
+          <a:p>
+            <a:endParaRPr lang="en-GB"/>
+          </a:p>
+        </p:txBody>
+      </p:sp>
+      <p:pic>
+        <p:nvPicPr>
+          <p:cNvPr id="5" name="Picture 4">
+            <a:extLst>
+              <a:ext uri="{FF2B5EF4-FFF2-40B4-BE49-F238E27FC236}">
+                <a16:creationId xmlns:a16="http://schemas.microsoft.com/office/drawing/2014/main" id="{F8B5B57D-9744-5A9B-772D-73FC26698680}"/>
+              </a:ext>
+            </a:extLst>
+          </p:cNvPr>
+          <p:cNvPicPr>
+            <a:picLocks noChangeAspect="1"/>
+          </p:cNvPicPr>
+          <p:nvPr/>
+        </p:nvPicPr>
+        <p:blipFill>
+          <a:blip r:embed="rId2"/>
+          <a:stretch>
+            <a:fillRect/>
+          </a:stretch>
+        </p:blipFill>
+        <p:spPr>
+          <a:xfrm>
+            <a:off x="838200" y="1182688"/>
+            <a:ext cx="5044877" cy="3985605"/>
+          </a:xfrm>
+          <a:prstGeom prst="rect">
+            <a:avLst/>
+          </a:prstGeom>
+        </p:spPr>
+      </p:pic>
+      <p:pic>
+        <p:nvPicPr>
+          <p:cNvPr id="7" name="Picture 6">
+            <a:extLst>
+              <a:ext uri="{FF2B5EF4-FFF2-40B4-BE49-F238E27FC236}">
+                <a16:creationId xmlns:a16="http://schemas.microsoft.com/office/drawing/2014/main" id="{2FF1F782-1BCF-93C4-0312-B260D75C14F3}"/>
+              </a:ext>
+            </a:extLst>
+          </p:cNvPr>
+          <p:cNvPicPr>
+            <a:picLocks noChangeAspect="1"/>
+          </p:cNvPicPr>
+          <p:nvPr/>
+        </p:nvPicPr>
+        <p:blipFill>
+          <a:blip r:embed="rId3"/>
+          <a:stretch>
+            <a:fillRect/>
+          </a:stretch>
+        </p:blipFill>
+        <p:spPr>
+          <a:xfrm>
+            <a:off x="6096000" y="1182688"/>
+            <a:ext cx="5044877" cy="3924640"/>
+          </a:xfrm>
+          <a:prstGeom prst="rect">
+            <a:avLst/>
+          </a:prstGeom>
+        </p:spPr>
+      </p:pic>
+      <p:sp>
+        <p:nvSpPr>
+          <p:cNvPr id="8" name="TextBox 7">
+            <a:extLst>
+              <a:ext uri="{FF2B5EF4-FFF2-40B4-BE49-F238E27FC236}">
+                <a16:creationId xmlns:a16="http://schemas.microsoft.com/office/drawing/2014/main" id="{1781FF8C-6859-EB3D-24C8-9D5AC6D8A706}"/>
+              </a:ext>
+            </a:extLst>
+          </p:cNvPr>
+          <p:cNvSpPr txBox="1"/>
+          <p:nvPr/>
+        </p:nvSpPr>
+        <p:spPr>
+          <a:xfrm>
+            <a:off x="538480" y="5497946"/>
+            <a:ext cx="10515600" cy="1200329"/>
+          </a:xfrm>
+          <a:prstGeom prst="rect">
+            <a:avLst/>
+          </a:prstGeom>
+          <a:noFill/>
+        </p:spPr>
+        <p:txBody>
+          <a:bodyPr wrap="square" rtlCol="0">
+            <a:spAutoFit/>
+          </a:bodyPr>
+          <a:lstStyle/>
+          <a:p>
+            <a:r>
+              <a:rPr lang="en-GB" dirty="0"/>
+              <a:t>With this brute force method, we see that time of the learning, has no effect on learning rate and learning rate is always near 1 ( probability of picking reward 2, is always 0.8 after learning) but there is a linear relationship between reverse </a:t>
+            </a:r>
+            <a:r>
+              <a:rPr lang="en-GB" dirty="0" err="1"/>
+              <a:t>behavioral</a:t>
+            </a:r>
+            <a:r>
+              <a:rPr lang="en-GB" dirty="0"/>
+              <a:t> temperature and time of the learning, (later learning, more exploration)</a:t>
+            </a:r>
+          </a:p>
+        </p:txBody>
+      </p:sp>
+    </p:spTree>
+    <p:extLst>
+      <p:ext uri="{BB962C8B-B14F-4D97-AF65-F5344CB8AC3E}">
+        <p14:creationId xmlns:p14="http://schemas.microsoft.com/office/powerpoint/2010/main" val="397543936"/>
+      </p:ext>
+    </p:extLst>
+  </p:cSld>
+  <p:clrMapOvr>
+    <a:masterClrMapping/>
+  </p:clrMapOvr>
+</p:sld>
+</file>
+
 <file path=ppt/slides/slide2.xml><?xml version="1.0" encoding="utf-8"?>
 <p:sld xmlns:a="http://schemas.openxmlformats.org/drawingml/2006/main" xmlns:r="http://schemas.openxmlformats.org/officeDocument/2006/relationships" xmlns:p="http://schemas.openxmlformats.org/presentationml/2006/main">
   <p:cSld>
@@ -4303,6 +5455,152 @@
     <p:extLst>
       <p:ext uri="{BB962C8B-B14F-4D97-AF65-F5344CB8AC3E}">
         <p14:creationId xmlns:p14="http://schemas.microsoft.com/office/powerpoint/2010/main" val="460137247"/>
+      </p:ext>
+    </p:extLst>
+  </p:cSld>
+  <p:clrMapOvr>
+    <a:masterClrMapping/>
+  </p:clrMapOvr>
+</p:sld>
+</file>
+
+<file path=ppt/slides/slide9.xml><?xml version="1.0" encoding="utf-8"?>
+<p:sld xmlns:a="http://schemas.openxmlformats.org/drawingml/2006/main" xmlns:r="http://schemas.openxmlformats.org/officeDocument/2006/relationships" xmlns:p="http://schemas.openxmlformats.org/presentationml/2006/main">
+  <p:cSld>
+    <p:spTree>
+      <p:nvGrpSpPr>
+        <p:cNvPr id="1" name=""/>
+        <p:cNvGrpSpPr/>
+        <p:nvPr/>
+      </p:nvGrpSpPr>
+      <p:grpSpPr>
+        <a:xfrm>
+          <a:off x="0" y="0"/>
+          <a:ext cx="0" cy="0"/>
+          <a:chOff x="0" y="0"/>
+          <a:chExt cx="0" cy="0"/>
+        </a:xfrm>
+      </p:grpSpPr>
+      <p:sp>
+        <p:nvSpPr>
+          <p:cNvPr id="2" name="Title 1">
+            <a:extLst>
+              <a:ext uri="{FF2B5EF4-FFF2-40B4-BE49-F238E27FC236}">
+                <a16:creationId xmlns:a16="http://schemas.microsoft.com/office/drawing/2014/main" id="{AA005800-E13A-BF03-424F-AB16D7FA7B4A}"/>
+              </a:ext>
+            </a:extLst>
+          </p:cNvPr>
+          <p:cNvSpPr>
+            <a:spLocks noGrp="1"/>
+          </p:cNvSpPr>
+          <p:nvPr>
+            <p:ph type="title"/>
+          </p:nvPr>
+        </p:nvSpPr>
+        <p:spPr/>
+        <p:txBody>
+          <a:bodyPr/>
+          <a:lstStyle/>
+          <a:p>
+            <a:r>
+              <a:rPr lang="en-GB" dirty="0"/>
+              <a:t>Igor’s comments and suggestions</a:t>
+            </a:r>
+          </a:p>
+        </p:txBody>
+      </p:sp>
+      <p:sp>
+        <p:nvSpPr>
+          <p:cNvPr id="3" name="Content Placeholder 2">
+            <a:extLst>
+              <a:ext uri="{FF2B5EF4-FFF2-40B4-BE49-F238E27FC236}">
+                <a16:creationId xmlns:a16="http://schemas.microsoft.com/office/drawing/2014/main" id="{96797184-A40A-EB79-92F3-C10A2A00E2FB}"/>
+              </a:ext>
+            </a:extLst>
+          </p:cNvPr>
+          <p:cNvSpPr>
+            <a:spLocks noGrp="1"/>
+          </p:cNvSpPr>
+          <p:nvPr>
+            <p:ph idx="1"/>
+          </p:nvPr>
+        </p:nvSpPr>
+        <p:spPr/>
+        <p:txBody>
+          <a:bodyPr/>
+          <a:lstStyle/>
+          <a:p>
+            <a:r>
+              <a:rPr lang="en-GB" dirty="0"/>
+              <a:t>Comments:</a:t>
+            </a:r>
+          </a:p>
+          <a:p>
+            <a:pPr marL="0" indent="0">
+              <a:buNone/>
+            </a:pPr>
+            <a:r>
+              <a:rPr lang="en-GB" dirty="0"/>
+              <a:t> Parameters weren’t reported correctly, they had to be converted.</a:t>
+            </a:r>
+          </a:p>
+          <a:p>
+            <a:pPr marL="0" indent="0">
+              <a:buNone/>
+            </a:pPr>
+            <a:endParaRPr lang="en-GB" dirty="0"/>
+          </a:p>
+          <a:p>
+            <a:pPr marL="0" indent="0">
+              <a:buNone/>
+            </a:pPr>
+            <a:r>
+              <a:rPr lang="en-GB" dirty="0"/>
+              <a:t>Parameters got converted:</a:t>
+            </a:r>
+          </a:p>
+          <a:p>
+            <a:pPr marL="0" indent="0">
+              <a:buNone/>
+            </a:pPr>
+            <a:endParaRPr lang="en-GB" dirty="0"/>
+          </a:p>
+        </p:txBody>
+      </p:sp>
+      <p:pic>
+        <p:nvPicPr>
+          <p:cNvPr id="5" name="Picture 4">
+            <a:extLst>
+              <a:ext uri="{FF2B5EF4-FFF2-40B4-BE49-F238E27FC236}">
+                <a16:creationId xmlns:a16="http://schemas.microsoft.com/office/drawing/2014/main" id="{3A4E3368-A732-43EF-520C-30C78B4FF280}"/>
+              </a:ext>
+            </a:extLst>
+          </p:cNvPr>
+          <p:cNvPicPr>
+            <a:picLocks noChangeAspect="1"/>
+          </p:cNvPicPr>
+          <p:nvPr/>
+        </p:nvPicPr>
+        <p:blipFill>
+          <a:blip r:embed="rId2"/>
+          <a:stretch>
+            <a:fillRect/>
+          </a:stretch>
+        </p:blipFill>
+        <p:spPr>
+          <a:xfrm>
+            <a:off x="2001232" y="4547842"/>
+            <a:ext cx="6645216" cy="647756"/>
+          </a:xfrm>
+          <a:prstGeom prst="rect">
+            <a:avLst/>
+          </a:prstGeom>
+        </p:spPr>
+      </p:pic>
+    </p:spTree>
+    <p:extLst>
+      <p:ext uri="{BB962C8B-B14F-4D97-AF65-F5344CB8AC3E}">
+        <p14:creationId xmlns:p14="http://schemas.microsoft.com/office/powerpoint/2010/main" val="3613076571"/>
       </p:ext>
     </p:extLst>
   </p:cSld>
